--- a/Class4/Tech314_4.pptx
+++ b/Class4/Tech314_4.pptx
@@ -302,7 +302,7 @@
           <a:p>
             <a:fld id="{4AAD347D-5ACD-4C99-B74B-A9C85AD731AF}" type="datetimeFigureOut">
               <a:rPr lang="en-US" dirty="0"/>
-              <a:t>10/21/2018</a:t>
+              <a:t>10/22/2018</a:t>
             </a:fld>
             <a:endParaRPr lang="en-US" dirty="0"/>
           </a:p>
@@ -572,7 +572,7 @@
           <a:p>
             <a:fld id="{4509A250-FF31-4206-8172-F9D3106AACB1}" type="datetimeFigureOut">
               <a:rPr lang="en-US" dirty="0"/>
-              <a:t>10/21/2018</a:t>
+              <a:t>10/22/2018</a:t>
             </a:fld>
             <a:endParaRPr lang="en-US" dirty="0"/>
           </a:p>
@@ -761,7 +761,7 @@
           <a:p>
             <a:fld id="{4509A250-FF31-4206-8172-F9D3106AACB1}" type="datetimeFigureOut">
               <a:rPr lang="en-US" dirty="0"/>
-              <a:t>10/21/2018</a:t>
+              <a:t>10/22/2018</a:t>
             </a:fld>
             <a:endParaRPr lang="en-US" dirty="0"/>
           </a:p>
@@ -1027,7 +1027,7 @@
           <a:p>
             <a:fld id="{4509A250-FF31-4206-8172-F9D3106AACB1}" type="datetimeFigureOut">
               <a:rPr lang="en-US" dirty="0"/>
-              <a:t>10/21/2018</a:t>
+              <a:t>10/22/2018</a:t>
             </a:fld>
             <a:endParaRPr lang="en-US" dirty="0"/>
           </a:p>
@@ -1349,7 +1349,7 @@
           <a:p>
             <a:fld id="{4509A250-FF31-4206-8172-F9D3106AACB1}" type="datetimeFigureOut">
               <a:rPr lang="en-US" dirty="0"/>
-              <a:t>10/21/2018</a:t>
+              <a:t>10/22/2018</a:t>
             </a:fld>
             <a:endParaRPr lang="en-US" dirty="0"/>
           </a:p>
@@ -1963,7 +1963,7 @@
           <a:p>
             <a:fld id="{4509A250-FF31-4206-8172-F9D3106AACB1}" type="datetimeFigureOut">
               <a:rPr lang="en-US" dirty="0"/>
-              <a:t>10/21/2018</a:t>
+              <a:t>10/22/2018</a:t>
             </a:fld>
             <a:endParaRPr lang="en-US" dirty="0"/>
           </a:p>
@@ -2805,7 +2805,7 @@
           <a:p>
             <a:fld id="{4509A250-FF31-4206-8172-F9D3106AACB1}" type="datetimeFigureOut">
               <a:rPr lang="en-US" dirty="0"/>
-              <a:t>10/21/2018</a:t>
+              <a:t>10/22/2018</a:t>
             </a:fld>
             <a:endParaRPr lang="en-US" dirty="0"/>
           </a:p>
@@ -2970,7 +2970,7 @@
           <a:p>
             <a:fld id="{4509A250-FF31-4206-8172-F9D3106AACB1}" type="datetimeFigureOut">
               <a:rPr lang="en-US" dirty="0"/>
-              <a:t>10/21/2018</a:t>
+              <a:t>10/22/2018</a:t>
             </a:fld>
             <a:endParaRPr lang="en-US" dirty="0"/>
           </a:p>
@@ -3145,7 +3145,7 @@
           <a:p>
             <a:fld id="{4509A250-FF31-4206-8172-F9D3106AACB1}" type="datetimeFigureOut">
               <a:rPr lang="en-US" dirty="0"/>
-              <a:t>10/21/2018</a:t>
+              <a:t>10/22/2018</a:t>
             </a:fld>
             <a:endParaRPr lang="en-US" dirty="0"/>
           </a:p>
@@ -3310,7 +3310,7 @@
           <a:p>
             <a:fld id="{9796027F-7875-4030-9381-8BD8C4F21935}" type="datetimeFigureOut">
               <a:rPr lang="en-US" dirty="0"/>
-              <a:t>10/21/2018</a:t>
+              <a:t>10/22/2018</a:t>
             </a:fld>
             <a:endParaRPr lang="en-US" dirty="0"/>
           </a:p>
@@ -3552,7 +3552,7 @@
           <a:p>
             <a:fld id="{9796027F-7875-4030-9381-8BD8C4F21935}" type="datetimeFigureOut">
               <a:rPr lang="en-US" dirty="0"/>
-              <a:t>10/21/2018</a:t>
+              <a:t>10/22/2018</a:t>
             </a:fld>
             <a:endParaRPr lang="en-US" dirty="0"/>
           </a:p>
@@ -3839,7 +3839,7 @@
           <a:p>
             <a:fld id="{9796027F-7875-4030-9381-8BD8C4F21935}" type="datetimeFigureOut">
               <a:rPr lang="en-US" dirty="0"/>
-              <a:t>10/21/2018</a:t>
+              <a:t>10/22/2018</a:t>
             </a:fld>
             <a:endParaRPr lang="en-US" dirty="0"/>
           </a:p>
@@ -4278,7 +4278,7 @@
           <a:p>
             <a:fld id="{9796027F-7875-4030-9381-8BD8C4F21935}" type="datetimeFigureOut">
               <a:rPr lang="en-US" dirty="0"/>
-              <a:t>10/21/2018</a:t>
+              <a:t>10/22/2018</a:t>
             </a:fld>
             <a:endParaRPr lang="en-US" dirty="0"/>
           </a:p>
@@ -4391,7 +4391,7 @@
           <a:p>
             <a:fld id="{4509A250-FF31-4206-8172-F9D3106AACB1}" type="datetimeFigureOut">
               <a:rPr lang="en-US" dirty="0"/>
-              <a:t>10/21/2018</a:t>
+              <a:t>10/22/2018</a:t>
             </a:fld>
             <a:endParaRPr lang="en-US" dirty="0"/>
           </a:p>
@@ -4481,7 +4481,7 @@
           <a:p>
             <a:fld id="{4509A250-FF31-4206-8172-F9D3106AACB1}" type="datetimeFigureOut">
               <a:rPr lang="en-US" dirty="0"/>
-              <a:t>10/21/2018</a:t>
+              <a:t>10/22/2018</a:t>
             </a:fld>
             <a:endParaRPr lang="en-US" dirty="0"/>
           </a:p>
@@ -4755,7 +4755,7 @@
           <a:p>
             <a:fld id="{4509A250-FF31-4206-8172-F9D3106AACB1}" type="datetimeFigureOut">
               <a:rPr lang="en-US" dirty="0"/>
-              <a:t>10/21/2018</a:t>
+              <a:t>10/22/2018</a:t>
             </a:fld>
             <a:endParaRPr lang="en-US" dirty="0"/>
           </a:p>
@@ -5025,7 +5025,7 @@
           <a:p>
             <a:fld id="{4509A250-FF31-4206-8172-F9D3106AACB1}" type="datetimeFigureOut">
               <a:rPr lang="en-US" dirty="0"/>
-              <a:t>10/21/2018</a:t>
+              <a:t>10/22/2018</a:t>
             </a:fld>
             <a:endParaRPr lang="en-US" dirty="0"/>
           </a:p>
@@ -5443,7 +5443,7 @@
           <a:p>
             <a:fld id="{4AAD347D-5ACD-4C99-B74B-A9C85AD731AF}" type="datetimeFigureOut">
               <a:rPr lang="en-US" dirty="0"/>
-              <a:t>10/21/2018</a:t>
+              <a:t>10/22/2018</a:t>
             </a:fld>
             <a:endParaRPr lang="en-US" dirty="0"/>
           </a:p>
@@ -6189,10 +6189,10 @@
       </p:sp>
       <p:pic>
         <p:nvPicPr>
-          <p:cNvPr id="7" name="Content Placeholder 6">
+          <p:cNvPr id="6" name="Content Placeholder 5">
             <a:extLst>
               <a:ext uri="{FF2B5EF4-FFF2-40B4-BE49-F238E27FC236}">
-                <a16:creationId xmlns:a16="http://schemas.microsoft.com/office/drawing/2014/main" id="{24951C53-D7C6-498E-B0B0-E7C8A943C7C1}"/>
+                <a16:creationId xmlns:a16="http://schemas.microsoft.com/office/drawing/2014/main" id="{772019A9-E2AC-45B8-B95A-901FF81902E0}"/>
               </a:ext>
             </a:extLst>
           </p:cNvPr>
